--- a/PPT/project ppt.pptx
+++ b/PPT/project ppt.pptx
@@ -133,6 +133,35 @@
 </p:presentation>
 </file>
 
+<file path=ppt/changesInfos/changesInfo1.xml><?xml version="1.0" encoding="utf-8"?>
+<pc:chgInfo xmlns:a="http://schemas.openxmlformats.org/drawingml/2006/main" xmlns:r="http://schemas.openxmlformats.org/officeDocument/2006/relationships" xmlns:ac="http://schemas.microsoft.com/office/drawing/2013/main/command" xmlns:pc="http://schemas.microsoft.com/office/powerpoint/2013/main/command">
+  <pc:docChgLst>
+    <pc:chgData name="sneha reddy" userId="c2acc8ca0cdbc4c2" providerId="LiveId" clId="{3FA5D60A-AED3-4699-82D0-1EC1822B8D89}"/>
+    <pc:docChg chg="modSld">
+      <pc:chgData name="sneha reddy" userId="c2acc8ca0cdbc4c2" providerId="LiveId" clId="{3FA5D60A-AED3-4699-82D0-1EC1822B8D89}" dt="2025-12-05T06:27:25.001" v="0" actId="1076"/>
+      <pc:docMkLst>
+        <pc:docMk/>
+      </pc:docMkLst>
+      <pc:sldChg chg="modSp mod">
+        <pc:chgData name="sneha reddy" userId="c2acc8ca0cdbc4c2" providerId="LiveId" clId="{3FA5D60A-AED3-4699-82D0-1EC1822B8D89}" dt="2025-12-05T06:27:25.001" v="0" actId="1076"/>
+        <pc:sldMkLst>
+          <pc:docMk/>
+          <pc:sldMk cId="0" sldId="256"/>
+        </pc:sldMkLst>
+        <pc:spChg chg="mod">
+          <ac:chgData name="sneha reddy" userId="c2acc8ca0cdbc4c2" providerId="LiveId" clId="{3FA5D60A-AED3-4699-82D0-1EC1822B8D89}" dt="2025-12-05T06:27:25.001" v="0" actId="1076"/>
+          <ac:spMkLst>
+            <pc:docMk/>
+            <pc:sldMk cId="0" sldId="256"/>
+            <ac:spMk id="3" creationId="{00000000-0000-0000-0000-000000000000}"/>
+          </ac:spMkLst>
+        </pc:spChg>
+      </pc:sldChg>
+    </pc:docChg>
+  </pc:docChgLst>
+</pc:chgInfo>
+</file>
+
 <file path=ppt/slideLayouts/slideLayout1.xml><?xml version="1.0" encoding="utf-8"?>
 <p:sldLayout xmlns:a="http://schemas.openxmlformats.org/drawingml/2006/main" xmlns:r="http://schemas.openxmlformats.org/officeDocument/2006/relationships" xmlns:p="http://schemas.openxmlformats.org/presentationml/2006/main" showMasterSp="0" type="title" preserve="1">
   <p:cSld name="Title Slide">
@@ -190,7 +219,7 @@
           <a:noFill/>
           <a:extLst>
             <a:ext uri="{909E8E84-426E-40dd-AFC4-6F175D3DCCD1}">
-              <a14:hiddenFill xmlns="" xmlns:a14="http://schemas.microsoft.com/office/drawing/2010/main">
+              <a14:hiddenFill xmlns:a14="http://schemas.microsoft.com/office/drawing/2010/main" xmlns="">
                 <a:solidFill>
                   <a:srgbClr val="FFFFFF"/>
                 </a:solidFill>
@@ -250,7 +279,7 @@
             </a:ln>
             <a:extLst>
               <a:ext uri="{91240B29-F687-4f45-9708-019B960494DF}">
-                <a14:hiddenLine xmlns="" xmlns:a14="http://schemas.microsoft.com/office/drawing/2010/main" w="9525">
+                <a14:hiddenLine xmlns:a14="http://schemas.microsoft.com/office/drawing/2010/main" xmlns="" w="9525">
                   <a:solidFill>
                     <a:srgbClr val="000000"/>
                   </a:solidFill>
@@ -340,7 +369,7 @@
             </a:ln>
             <a:extLst>
               <a:ext uri="{91240B29-F687-4f45-9708-019B960494DF}">
-                <a14:hiddenLine xmlns="" xmlns:a14="http://schemas.microsoft.com/office/drawing/2010/main" w="9525">
+                <a14:hiddenLine xmlns:a14="http://schemas.microsoft.com/office/drawing/2010/main" xmlns="" w="9525">
                   <a:solidFill>
                     <a:srgbClr val="000000"/>
                   </a:solidFill>
@@ -430,7 +459,7 @@
             </a:ln>
             <a:extLst>
               <a:ext uri="{91240B29-F687-4f45-9708-019B960494DF}">
-                <a14:hiddenLine xmlns="" xmlns:a14="http://schemas.microsoft.com/office/drawing/2010/main" w="9525">
+                <a14:hiddenLine xmlns:a14="http://schemas.microsoft.com/office/drawing/2010/main" xmlns="" w="9525">
                   <a:solidFill>
                     <a:srgbClr val="000000"/>
                   </a:solidFill>
@@ -464,7 +493,7 @@
             </a:ln>
             <a:extLst>
               <a:ext uri="{91240B29-F687-4f45-9708-019B960494DF}">
-                <a14:hiddenLine xmlns="" xmlns:a14="http://schemas.microsoft.com/office/drawing/2010/main" w="9525">
+                <a14:hiddenLine xmlns:a14="http://schemas.microsoft.com/office/drawing/2010/main" xmlns="" w="9525">
                   <a:solidFill>
                     <a:srgbClr val="000000"/>
                   </a:solidFill>
@@ -554,7 +583,7 @@
             </a:ln>
             <a:extLst>
               <a:ext uri="{91240B29-F687-4f45-9708-019B960494DF}">
-                <a14:hiddenLine xmlns="" xmlns:a14="http://schemas.microsoft.com/office/drawing/2010/main" w="9525">
+                <a14:hiddenLine xmlns:a14="http://schemas.microsoft.com/office/drawing/2010/main" xmlns="" w="9525">
                   <a:solidFill>
                     <a:srgbClr val="000000"/>
                   </a:solidFill>
@@ -616,7 +645,7 @@
             </a:ln>
             <a:extLst>
               <a:ext uri="{91240B29-F687-4f45-9708-019B960494DF}">
-                <a14:hiddenLine xmlns="" xmlns:a14="http://schemas.microsoft.com/office/drawing/2010/main" w="9525">
+                <a14:hiddenLine xmlns:a14="http://schemas.microsoft.com/office/drawing/2010/main" xmlns="" w="9525">
                   <a:solidFill>
                     <a:srgbClr val="000000"/>
                   </a:solidFill>
@@ -678,7 +707,7 @@
             </a:ln>
             <a:extLst>
               <a:ext uri="{91240B29-F687-4f45-9708-019B960494DF}">
-                <a14:hiddenLine xmlns="" xmlns:a14="http://schemas.microsoft.com/office/drawing/2010/main" w="9525">
+                <a14:hiddenLine xmlns:a14="http://schemas.microsoft.com/office/drawing/2010/main" xmlns="" w="9525">
                   <a:solidFill>
                     <a:srgbClr val="000000"/>
                   </a:solidFill>
@@ -768,7 +797,7 @@
             </a:ln>
             <a:extLst>
               <a:ext uri="{91240B29-F687-4f45-9708-019B960494DF}">
-                <a14:hiddenLine xmlns="" xmlns:a14="http://schemas.microsoft.com/office/drawing/2010/main" w="9525">
+                <a14:hiddenLine xmlns:a14="http://schemas.microsoft.com/office/drawing/2010/main" xmlns="" w="9525">
                   <a:solidFill>
                     <a:srgbClr val="000000"/>
                   </a:solidFill>
@@ -830,7 +859,7 @@
             </a:ln>
             <a:extLst>
               <a:ext uri="{91240B29-F687-4f45-9708-019B960494DF}">
-                <a14:hiddenLine xmlns="" xmlns:a14="http://schemas.microsoft.com/office/drawing/2010/main" w="9525">
+                <a14:hiddenLine xmlns:a14="http://schemas.microsoft.com/office/drawing/2010/main" xmlns="" w="9525">
                   <a:solidFill>
                     <a:srgbClr val="000000"/>
                   </a:solidFill>
@@ -892,7 +921,7 @@
             </a:ln>
             <a:extLst>
               <a:ext uri="{91240B29-F687-4f45-9708-019B960494DF}">
-                <a14:hiddenLine xmlns="" xmlns:a14="http://schemas.microsoft.com/office/drawing/2010/main" w="9525">
+                <a14:hiddenLine xmlns:a14="http://schemas.microsoft.com/office/drawing/2010/main" xmlns="" w="9525">
                   <a:solidFill>
                     <a:srgbClr val="000000"/>
                   </a:solidFill>
@@ -982,7 +1011,7 @@
             </a:ln>
             <a:extLst>
               <a:ext uri="{91240B29-F687-4f45-9708-019B960494DF}">
-                <a14:hiddenLine xmlns="" xmlns:a14="http://schemas.microsoft.com/office/drawing/2010/main" w="9525">
+                <a14:hiddenLine xmlns:a14="http://schemas.microsoft.com/office/drawing/2010/main" xmlns="" w="9525">
                   <a:solidFill>
                     <a:srgbClr val="000000"/>
                   </a:solidFill>
@@ -1072,7 +1101,7 @@
             </a:ln>
             <a:extLst>
               <a:ext uri="{91240B29-F687-4f45-9708-019B960494DF}">
-                <a14:hiddenLine xmlns="" xmlns:a14="http://schemas.microsoft.com/office/drawing/2010/main" w="9525">
+                <a14:hiddenLine xmlns:a14="http://schemas.microsoft.com/office/drawing/2010/main" xmlns="" w="9525">
                   <a:solidFill>
                     <a:srgbClr val="000000"/>
                   </a:solidFill>
@@ -1134,7 +1163,7 @@
             </a:ln>
             <a:extLst>
               <a:ext uri="{91240B29-F687-4f45-9708-019B960494DF}">
-                <a14:hiddenLine xmlns="" xmlns:a14="http://schemas.microsoft.com/office/drawing/2010/main" w="9525">
+                <a14:hiddenLine xmlns:a14="http://schemas.microsoft.com/office/drawing/2010/main" xmlns="" w="9525">
                   <a:solidFill>
                     <a:srgbClr val="000000"/>
                   </a:solidFill>
@@ -1244,7 +1273,7 @@
             </a:ln>
             <a:extLst>
               <a:ext uri="{91240B29-F687-4f45-9708-019B960494DF}">
-                <a14:hiddenLine xmlns="" xmlns:a14="http://schemas.microsoft.com/office/drawing/2010/main" w="9525">
+                <a14:hiddenLine xmlns:a14="http://schemas.microsoft.com/office/drawing/2010/main" xmlns="" w="9525">
                   <a:solidFill>
                     <a:srgbClr val="000000"/>
                   </a:solidFill>
@@ -1306,7 +1335,7 @@
             </a:ln>
             <a:extLst>
               <a:ext uri="{91240B29-F687-4f45-9708-019B960494DF}">
-                <a14:hiddenLine xmlns="" xmlns:a14="http://schemas.microsoft.com/office/drawing/2010/main" w="9525">
+                <a14:hiddenLine xmlns:a14="http://schemas.microsoft.com/office/drawing/2010/main" xmlns="" w="9525">
                   <a:solidFill>
                     <a:srgbClr val="000000"/>
                   </a:solidFill>
@@ -1396,7 +1425,7 @@
             </a:ln>
             <a:extLst>
               <a:ext uri="{91240B29-F687-4f45-9708-019B960494DF}">
-                <a14:hiddenLine xmlns="" xmlns:a14="http://schemas.microsoft.com/office/drawing/2010/main" w="9525">
+                <a14:hiddenLine xmlns:a14="http://schemas.microsoft.com/office/drawing/2010/main" xmlns="" w="9525">
                   <a:solidFill>
                     <a:srgbClr val="000000"/>
                   </a:solidFill>
@@ -1486,7 +1515,7 @@
             </a:ln>
             <a:extLst>
               <a:ext uri="{91240B29-F687-4f45-9708-019B960494DF}">
-                <a14:hiddenLine xmlns="" xmlns:a14="http://schemas.microsoft.com/office/drawing/2010/main" w="9525">
+                <a14:hiddenLine xmlns:a14="http://schemas.microsoft.com/office/drawing/2010/main" xmlns="" w="9525">
                   <a:solidFill>
                     <a:srgbClr val="000000"/>
                   </a:solidFill>
@@ -1548,7 +1577,7 @@
             </a:ln>
             <a:extLst>
               <a:ext uri="{91240B29-F687-4f45-9708-019B960494DF}">
-                <a14:hiddenLine xmlns="" xmlns:a14="http://schemas.microsoft.com/office/drawing/2010/main" w="9525">
+                <a14:hiddenLine xmlns:a14="http://schemas.microsoft.com/office/drawing/2010/main" xmlns="" w="9525">
                   <a:solidFill>
                     <a:srgbClr val="000000"/>
                   </a:solidFill>
@@ -1638,7 +1667,7 @@
             </a:ln>
             <a:extLst>
               <a:ext uri="{91240B29-F687-4f45-9708-019B960494DF}">
-                <a14:hiddenLine xmlns="" xmlns:a14="http://schemas.microsoft.com/office/drawing/2010/main" w="9525">
+                <a14:hiddenLine xmlns:a14="http://schemas.microsoft.com/office/drawing/2010/main" xmlns="" w="9525">
                   <a:solidFill>
                     <a:srgbClr val="000000"/>
                   </a:solidFill>
@@ -1728,7 +1757,7 @@
             </a:ln>
             <a:extLst>
               <a:ext uri="{91240B29-F687-4f45-9708-019B960494DF}">
-                <a14:hiddenLine xmlns="" xmlns:a14="http://schemas.microsoft.com/office/drawing/2010/main" w="9525">
+                <a14:hiddenLine xmlns:a14="http://schemas.microsoft.com/office/drawing/2010/main" xmlns="" w="9525">
                   <a:solidFill>
                     <a:srgbClr val="000000"/>
                   </a:solidFill>
@@ -1784,7 +1813,7 @@
             </a:ln>
             <a:extLst>
               <a:ext uri="{91240B29-F687-4f45-9708-019B960494DF}">
-                <a14:hiddenLine xmlns="" xmlns:a14="http://schemas.microsoft.com/office/drawing/2010/main" w="9525">
+                <a14:hiddenLine xmlns:a14="http://schemas.microsoft.com/office/drawing/2010/main" xmlns="" w="9525">
                   <a:solidFill>
                     <a:srgbClr val="000000"/>
                   </a:solidFill>
@@ -1874,7 +1903,7 @@
             </a:ln>
             <a:extLst>
               <a:ext uri="{91240B29-F687-4f45-9708-019B960494DF}">
-                <a14:hiddenLine xmlns="" xmlns:a14="http://schemas.microsoft.com/office/drawing/2010/main" w="9525">
+                <a14:hiddenLine xmlns:a14="http://schemas.microsoft.com/office/drawing/2010/main" xmlns="" w="9525">
                   <a:solidFill>
                     <a:srgbClr val="000000"/>
                   </a:solidFill>
@@ -1930,7 +1959,7 @@
             </a:ln>
             <a:extLst>
               <a:ext uri="{91240B29-F687-4f45-9708-019B960494DF}">
-                <a14:hiddenLine xmlns="" xmlns:a14="http://schemas.microsoft.com/office/drawing/2010/main" w="9525">
+                <a14:hiddenLine xmlns:a14="http://schemas.microsoft.com/office/drawing/2010/main" xmlns="" w="9525">
                   <a:solidFill>
                     <a:srgbClr val="000000"/>
                   </a:solidFill>
@@ -2020,7 +2049,7 @@
             </a:ln>
             <a:extLst>
               <a:ext uri="{91240B29-F687-4f45-9708-019B960494DF}">
-                <a14:hiddenLine xmlns="" xmlns:a14="http://schemas.microsoft.com/office/drawing/2010/main" w="9525">
+                <a14:hiddenLine xmlns:a14="http://schemas.microsoft.com/office/drawing/2010/main" xmlns="" w="9525">
                   <a:solidFill>
                     <a:srgbClr val="000000"/>
                   </a:solidFill>
@@ -2088,7 +2117,7 @@
             </a:ln>
             <a:extLst>
               <a:ext uri="{91240B29-F687-4f45-9708-019B960494DF}">
-                <a14:hiddenLine xmlns="" xmlns:a14="http://schemas.microsoft.com/office/drawing/2010/main" w="9525">
+                <a14:hiddenLine xmlns:a14="http://schemas.microsoft.com/office/drawing/2010/main" xmlns="" w="9525">
                   <a:solidFill>
                     <a:srgbClr val="000000"/>
                   </a:solidFill>
@@ -2178,7 +2207,7 @@
             </a:ln>
             <a:extLst>
               <a:ext uri="{91240B29-F687-4f45-9708-019B960494DF}">
-                <a14:hiddenLine xmlns="" xmlns:a14="http://schemas.microsoft.com/office/drawing/2010/main" w="9525">
+                <a14:hiddenLine xmlns:a14="http://schemas.microsoft.com/office/drawing/2010/main" xmlns="" w="9525">
                   <a:solidFill>
                     <a:srgbClr val="000000"/>
                   </a:solidFill>
@@ -2246,7 +2275,7 @@
             </a:ln>
             <a:extLst>
               <a:ext uri="{91240B29-F687-4f45-9708-019B960494DF}">
-                <a14:hiddenLine xmlns="" xmlns:a14="http://schemas.microsoft.com/office/drawing/2010/main" w="9525">
+                <a14:hiddenLine xmlns:a14="http://schemas.microsoft.com/office/drawing/2010/main" xmlns="" w="9525">
                   <a:solidFill>
                     <a:srgbClr val="000000"/>
                   </a:solidFill>
@@ -2336,7 +2365,7 @@
             </a:ln>
             <a:extLst>
               <a:ext uri="{91240B29-F687-4f45-9708-019B960494DF}">
-                <a14:hiddenLine xmlns="" xmlns:a14="http://schemas.microsoft.com/office/drawing/2010/main" w="9525">
+                <a14:hiddenLine xmlns:a14="http://schemas.microsoft.com/office/drawing/2010/main" xmlns="" w="9525">
                   <a:solidFill>
                     <a:srgbClr val="000000"/>
                   </a:solidFill>
@@ -2370,7 +2399,7 @@
             </a:ln>
             <a:extLst>
               <a:ext uri="{91240B29-F687-4f45-9708-019B960494DF}">
-                <a14:hiddenLine xmlns="" xmlns:a14="http://schemas.microsoft.com/office/drawing/2010/main" w="9525">
+                <a14:hiddenLine xmlns:a14="http://schemas.microsoft.com/office/drawing/2010/main" xmlns="" w="9525">
                   <a:solidFill>
                     <a:srgbClr val="000000"/>
                   </a:solidFill>
@@ -2460,7 +2489,7 @@
             </a:ln>
             <a:extLst>
               <a:ext uri="{91240B29-F687-4f45-9708-019B960494DF}">
-                <a14:hiddenLine xmlns="" xmlns:a14="http://schemas.microsoft.com/office/drawing/2010/main" w="9525">
+                <a14:hiddenLine xmlns:a14="http://schemas.microsoft.com/office/drawing/2010/main" xmlns="" w="9525">
                   <a:solidFill>
                     <a:srgbClr val="000000"/>
                   </a:solidFill>
@@ -2522,7 +2551,7 @@
             </a:ln>
             <a:extLst>
               <a:ext uri="{91240B29-F687-4f45-9708-019B960494DF}">
-                <a14:hiddenLine xmlns="" xmlns:a14="http://schemas.microsoft.com/office/drawing/2010/main" w="9525">
+                <a14:hiddenLine xmlns:a14="http://schemas.microsoft.com/office/drawing/2010/main" xmlns="" w="9525">
                   <a:solidFill>
                     <a:srgbClr val="000000"/>
                   </a:solidFill>
@@ -2584,7 +2613,7 @@
             </a:ln>
             <a:extLst>
               <a:ext uri="{91240B29-F687-4f45-9708-019B960494DF}">
-                <a14:hiddenLine xmlns="" xmlns:a14="http://schemas.microsoft.com/office/drawing/2010/main" w="9525">
+                <a14:hiddenLine xmlns:a14="http://schemas.microsoft.com/office/drawing/2010/main" xmlns="" w="9525">
                   <a:solidFill>
                     <a:srgbClr val="000000"/>
                   </a:solidFill>
@@ -2674,7 +2703,7 @@
             </a:ln>
             <a:extLst>
               <a:ext uri="{91240B29-F687-4f45-9708-019B960494DF}">
-                <a14:hiddenLine xmlns="" xmlns:a14="http://schemas.microsoft.com/office/drawing/2010/main" w="9525">
+                <a14:hiddenLine xmlns:a14="http://schemas.microsoft.com/office/drawing/2010/main" xmlns="" w="9525">
                   <a:solidFill>
                     <a:srgbClr val="000000"/>
                   </a:solidFill>
@@ -2742,7 +2771,7 @@
             </a:ln>
             <a:extLst>
               <a:ext uri="{91240B29-F687-4f45-9708-019B960494DF}">
-                <a14:hiddenLine xmlns="" xmlns:a14="http://schemas.microsoft.com/office/drawing/2010/main" w="9525">
+                <a14:hiddenLine xmlns:a14="http://schemas.microsoft.com/office/drawing/2010/main" xmlns="" w="9525">
                   <a:solidFill>
                     <a:srgbClr val="000000"/>
                   </a:solidFill>
@@ -2804,7 +2833,7 @@
             </a:ln>
             <a:extLst>
               <a:ext uri="{91240B29-F687-4f45-9708-019B960494DF}">
-                <a14:hiddenLine xmlns="" xmlns:a14="http://schemas.microsoft.com/office/drawing/2010/main" w="9525">
+                <a14:hiddenLine xmlns:a14="http://schemas.microsoft.com/office/drawing/2010/main" xmlns="" w="9525">
                   <a:solidFill>
                     <a:srgbClr val="000000"/>
                   </a:solidFill>
@@ -2894,7 +2923,7 @@
             </a:ln>
             <a:extLst>
               <a:ext uri="{91240B29-F687-4f45-9708-019B960494DF}">
-                <a14:hiddenLine xmlns="" xmlns:a14="http://schemas.microsoft.com/office/drawing/2010/main" w="9525">
+                <a14:hiddenLine xmlns:a14="http://schemas.microsoft.com/office/drawing/2010/main" xmlns="" w="9525">
                   <a:solidFill>
                     <a:srgbClr val="000000"/>
                   </a:solidFill>
@@ -2956,7 +2985,7 @@
             </a:ln>
             <a:extLst>
               <a:ext uri="{91240B29-F687-4f45-9708-019B960494DF}">
-                <a14:hiddenLine xmlns="" xmlns:a14="http://schemas.microsoft.com/office/drawing/2010/main" w="9525">
+                <a14:hiddenLine xmlns:a14="http://schemas.microsoft.com/office/drawing/2010/main" xmlns="" w="9525">
                   <a:solidFill>
                     <a:srgbClr val="000000"/>
                   </a:solidFill>
@@ -3046,7 +3075,7 @@
             </a:ln>
             <a:extLst>
               <a:ext uri="{91240B29-F687-4f45-9708-019B960494DF}">
-                <a14:hiddenLine xmlns="" xmlns:a14="http://schemas.microsoft.com/office/drawing/2010/main" w="9525">
+                <a14:hiddenLine xmlns:a14="http://schemas.microsoft.com/office/drawing/2010/main" xmlns="" w="9525">
                   <a:solidFill>
                     <a:srgbClr val="000000"/>
                   </a:solidFill>
@@ -3108,7 +3137,7 @@
             </a:ln>
             <a:extLst>
               <a:ext uri="{91240B29-F687-4f45-9708-019B960494DF}">
-                <a14:hiddenLine xmlns="" xmlns:a14="http://schemas.microsoft.com/office/drawing/2010/main" w="9525">
+                <a14:hiddenLine xmlns:a14="http://schemas.microsoft.com/office/drawing/2010/main" xmlns="" w="9525">
                   <a:solidFill>
                     <a:srgbClr val="000000"/>
                   </a:solidFill>
@@ -3198,7 +3227,7 @@
             </a:ln>
             <a:extLst>
               <a:ext uri="{91240B29-F687-4f45-9708-019B960494DF}">
-                <a14:hiddenLine xmlns="" xmlns:a14="http://schemas.microsoft.com/office/drawing/2010/main" w="9525">
+                <a14:hiddenLine xmlns:a14="http://schemas.microsoft.com/office/drawing/2010/main" xmlns="" w="9525">
                   <a:solidFill>
                     <a:srgbClr val="000000"/>
                   </a:solidFill>
@@ -3232,7 +3261,7 @@
             </a:ln>
             <a:extLst>
               <a:ext uri="{91240B29-F687-4f45-9708-019B960494DF}">
-                <a14:hiddenLine xmlns="" xmlns:a14="http://schemas.microsoft.com/office/drawing/2010/main" w="9525">
+                <a14:hiddenLine xmlns:a14="http://schemas.microsoft.com/office/drawing/2010/main" xmlns="" w="9525">
                   <a:solidFill>
                     <a:srgbClr val="000000"/>
                   </a:solidFill>
@@ -3297,7 +3326,7 @@
             </a:ln>
             <a:extLst>
               <a:ext uri="{91240B29-F687-4f45-9708-019B960494DF}">
-                <a14:hiddenLine xmlns="" xmlns:a14="http://schemas.microsoft.com/office/drawing/2010/main" w="9525">
+                <a14:hiddenLine xmlns:a14="http://schemas.microsoft.com/office/drawing/2010/main" xmlns="" w="9525">
                   <a:solidFill>
                     <a:srgbClr val="000000"/>
                   </a:solidFill>
@@ -3387,7 +3416,7 @@
             </a:ln>
             <a:extLst>
               <a:ext uri="{91240B29-F687-4f45-9708-019B960494DF}">
-                <a14:hiddenLine xmlns="" xmlns:a14="http://schemas.microsoft.com/office/drawing/2010/main" w="9525">
+                <a14:hiddenLine xmlns:a14="http://schemas.microsoft.com/office/drawing/2010/main" xmlns="" w="9525">
                   <a:solidFill>
                     <a:srgbClr val="000000"/>
                   </a:solidFill>
@@ -3449,7 +3478,7 @@
             </a:ln>
             <a:extLst>
               <a:ext uri="{91240B29-F687-4f45-9708-019B960494DF}">
-                <a14:hiddenLine xmlns="" xmlns:a14="http://schemas.microsoft.com/office/drawing/2010/main" w="9525">
+                <a14:hiddenLine xmlns:a14="http://schemas.microsoft.com/office/drawing/2010/main" xmlns="" w="9525">
                   <a:solidFill>
                     <a:srgbClr val="000000"/>
                   </a:solidFill>
@@ -3539,7 +3568,7 @@
             </a:ln>
             <a:extLst>
               <a:ext uri="{91240B29-F687-4f45-9708-019B960494DF}">
-                <a14:hiddenLine xmlns="" xmlns:a14="http://schemas.microsoft.com/office/drawing/2010/main" w="9525">
+                <a14:hiddenLine xmlns:a14="http://schemas.microsoft.com/office/drawing/2010/main" xmlns="" w="9525">
                   <a:solidFill>
                     <a:srgbClr val="000000"/>
                   </a:solidFill>
@@ -3629,7 +3658,7 @@
             </a:ln>
             <a:extLst>
               <a:ext uri="{91240B29-F687-4f45-9708-019B960494DF}">
-                <a14:hiddenLine xmlns="" xmlns:a14="http://schemas.microsoft.com/office/drawing/2010/main" w="9525">
+                <a14:hiddenLine xmlns:a14="http://schemas.microsoft.com/office/drawing/2010/main" xmlns="" w="9525">
                   <a:solidFill>
                     <a:srgbClr val="000000"/>
                   </a:solidFill>
@@ -3694,7 +3723,7 @@
             </a:ln>
             <a:extLst>
               <a:ext uri="{91240B29-F687-4f45-9708-019B960494DF}">
-                <a14:hiddenLine xmlns="" xmlns:a14="http://schemas.microsoft.com/office/drawing/2010/main" w="9525">
+                <a14:hiddenLine xmlns:a14="http://schemas.microsoft.com/office/drawing/2010/main" xmlns="" w="9525">
                   <a:solidFill>
                     <a:srgbClr val="000000"/>
                   </a:solidFill>
@@ -3756,7 +3785,7 @@
             </a:ln>
             <a:extLst>
               <a:ext uri="{91240B29-F687-4f45-9708-019B960494DF}">
-                <a14:hiddenLine xmlns="" xmlns:a14="http://schemas.microsoft.com/office/drawing/2010/main" w="9525">
+                <a14:hiddenLine xmlns:a14="http://schemas.microsoft.com/office/drawing/2010/main" xmlns="" w="9525">
                   <a:solidFill>
                     <a:srgbClr val="000000"/>
                   </a:solidFill>
@@ -3846,7 +3875,7 @@
             </a:ln>
             <a:extLst>
               <a:ext uri="{91240B29-F687-4f45-9708-019B960494DF}">
-                <a14:hiddenLine xmlns="" xmlns:a14="http://schemas.microsoft.com/office/drawing/2010/main" w="9525">
+                <a14:hiddenLine xmlns:a14="http://schemas.microsoft.com/office/drawing/2010/main" xmlns="" w="9525">
                   <a:solidFill>
                     <a:srgbClr val="000000"/>
                   </a:solidFill>
@@ -3936,7 +3965,7 @@
             </a:ln>
             <a:extLst>
               <a:ext uri="{91240B29-F687-4f45-9708-019B960494DF}">
-                <a14:hiddenLine xmlns="" xmlns:a14="http://schemas.microsoft.com/office/drawing/2010/main" w="9525">
+                <a14:hiddenLine xmlns:a14="http://schemas.microsoft.com/office/drawing/2010/main" xmlns="" w="9525">
                   <a:solidFill>
                     <a:srgbClr val="000000"/>
                   </a:solidFill>
@@ -3998,7 +4027,7 @@
             </a:ln>
             <a:extLst>
               <a:ext uri="{91240B29-F687-4f45-9708-019B960494DF}">
-                <a14:hiddenLine xmlns="" xmlns:a14="http://schemas.microsoft.com/office/drawing/2010/main" w="9525">
+                <a14:hiddenLine xmlns:a14="http://schemas.microsoft.com/office/drawing/2010/main" xmlns="" w="9525">
                   <a:solidFill>
                     <a:srgbClr val="000000"/>
                   </a:solidFill>
@@ -4118,7 +4147,7 @@
             </a:ln>
             <a:extLst>
               <a:ext uri="{91240B29-F687-4f45-9708-019B960494DF}">
-                <a14:hiddenLine xmlns="" xmlns:a14="http://schemas.microsoft.com/office/drawing/2010/main" w="9525">
+                <a14:hiddenLine xmlns:a14="http://schemas.microsoft.com/office/drawing/2010/main" xmlns="" w="9525">
                   <a:solidFill>
                     <a:srgbClr val="000000"/>
                   </a:solidFill>
@@ -4186,7 +4215,7 @@
             </a:ln>
             <a:extLst>
               <a:ext uri="{91240B29-F687-4f45-9708-019B960494DF}">
-                <a14:hiddenLine xmlns="" xmlns:a14="http://schemas.microsoft.com/office/drawing/2010/main" w="9525">
+                <a14:hiddenLine xmlns:a14="http://schemas.microsoft.com/office/drawing/2010/main" xmlns="" w="9525">
                   <a:solidFill>
                     <a:srgbClr val="000000"/>
                   </a:solidFill>
@@ -4276,7 +4305,7 @@
             </a:ln>
             <a:extLst>
               <a:ext uri="{91240B29-F687-4f45-9708-019B960494DF}">
-                <a14:hiddenLine xmlns="" xmlns:a14="http://schemas.microsoft.com/office/drawing/2010/main" w="9525">
+                <a14:hiddenLine xmlns:a14="http://schemas.microsoft.com/office/drawing/2010/main" xmlns="" w="9525">
                   <a:solidFill>
                     <a:srgbClr val="000000"/>
                   </a:solidFill>
@@ -4416,7 +4445,7 @@
           <a:p>
             <a:fld id="{5BCAD085-E8A6-8845-BD4E-CB4CCA059FC4}" type="datetimeFigureOut">
               <a:rPr lang="en-US" smtClean="0"/>
-              <a:t>11/28/2025</a:t>
+              <a:t>12/5/2025</a:t>
             </a:fld>
             <a:endParaRPr lang="en-US"/>
           </a:p>
@@ -4683,7 +4712,7 @@
           <a:p>
             <a:fld id="{5BCAD085-E8A6-8845-BD4E-CB4CCA059FC4}" type="datetimeFigureOut">
               <a:rPr lang="en-US" smtClean="0"/>
-              <a:t>11/28/2025</a:t>
+              <a:t>12/5/2025</a:t>
             </a:fld>
             <a:endParaRPr lang="en-US"/>
           </a:p>
@@ -4879,7 +4908,7 @@
           <a:p>
             <a:fld id="{5BCAD085-E8A6-8845-BD4E-CB4CCA059FC4}" type="datetimeFigureOut">
               <a:rPr lang="en-US" smtClean="0"/>
-              <a:t>11/28/2025</a:t>
+              <a:t>12/5/2025</a:t>
             </a:fld>
             <a:endParaRPr lang="en-US"/>
           </a:p>
@@ -5142,7 +5171,7 @@
           <a:p>
             <a:fld id="{5BCAD085-E8A6-8845-BD4E-CB4CCA059FC4}" type="datetimeFigureOut">
               <a:rPr lang="en-US" smtClean="0"/>
-              <a:t>11/28/2025</a:t>
+              <a:t>12/5/2025</a:t>
             </a:fld>
             <a:endParaRPr lang="en-US"/>
           </a:p>
@@ -5576,7 +5605,7 @@
           <a:p>
             <a:fld id="{5BCAD085-E8A6-8845-BD4E-CB4CCA059FC4}" type="datetimeFigureOut">
               <a:rPr lang="en-US" smtClean="0"/>
-              <a:t>11/28/2025</a:t>
+              <a:t>12/5/2025</a:t>
             </a:fld>
             <a:endParaRPr lang="en-US"/>
           </a:p>
@@ -6122,7 +6151,7 @@
           <a:p>
             <a:fld id="{5BCAD085-E8A6-8845-BD4E-CB4CCA059FC4}" type="datetimeFigureOut">
               <a:rPr lang="en-US" smtClean="0"/>
-              <a:t>11/28/2025</a:t>
+              <a:t>12/5/2025</a:t>
             </a:fld>
             <a:endParaRPr lang="en-US"/>
           </a:p>
@@ -6842,7 +6871,7 @@
           <a:p>
             <a:fld id="{5BCAD085-E8A6-8845-BD4E-CB4CCA059FC4}" type="datetimeFigureOut">
               <a:rPr lang="en-US" smtClean="0"/>
-              <a:t>11/28/2025</a:t>
+              <a:t>12/5/2025</a:t>
             </a:fld>
             <a:endParaRPr lang="en-US"/>
           </a:p>
@@ -7016,7 +7045,7 @@
           <a:p>
             <a:fld id="{5BCAD085-E8A6-8845-BD4E-CB4CCA059FC4}" type="datetimeFigureOut">
               <a:rPr lang="en-US" smtClean="0"/>
-              <a:t>11/28/2025</a:t>
+              <a:t>12/5/2025</a:t>
             </a:fld>
             <a:endParaRPr lang="en-US"/>
           </a:p>
@@ -7196,7 +7225,7 @@
           <a:p>
             <a:fld id="{5BCAD085-E8A6-8845-BD4E-CB4CCA059FC4}" type="datetimeFigureOut">
               <a:rPr lang="en-US" smtClean="0"/>
-              <a:t>11/28/2025</a:t>
+              <a:t>12/5/2025</a:t>
             </a:fld>
             <a:endParaRPr lang="en-US"/>
           </a:p>
@@ -7381,7 +7410,7 @@
           <a:p>
             <a:fld id="{5BCAD085-E8A6-8845-BD4E-CB4CCA059FC4}" type="datetimeFigureOut">
               <a:rPr lang="en-US" smtClean="0"/>
-              <a:t>11/28/2025</a:t>
+              <a:t>12/5/2025</a:t>
             </a:fld>
             <a:endParaRPr lang="en-US"/>
           </a:p>
@@ -7641,7 +7670,7 @@
           <a:p>
             <a:fld id="{5BCAD085-E8A6-8845-BD4E-CB4CCA059FC4}" type="datetimeFigureOut">
               <a:rPr lang="en-US" smtClean="0"/>
-              <a:t>11/28/2025</a:t>
+              <a:t>12/5/2025</a:t>
             </a:fld>
             <a:endParaRPr lang="en-US"/>
           </a:p>
@@ -7873,7 +7902,7 @@
           <a:p>
             <a:fld id="{5BCAD085-E8A6-8845-BD4E-CB4CCA059FC4}" type="datetimeFigureOut">
               <a:rPr lang="en-US" smtClean="0"/>
-              <a:t>11/28/2025</a:t>
+              <a:t>12/5/2025</a:t>
             </a:fld>
             <a:endParaRPr lang="en-US"/>
           </a:p>
@@ -8254,7 +8283,7 @@
           <a:p>
             <a:fld id="{5BCAD085-E8A6-8845-BD4E-CB4CCA059FC4}" type="datetimeFigureOut">
               <a:rPr lang="en-US" smtClean="0"/>
-              <a:t>11/28/2025</a:t>
+              <a:t>12/5/2025</a:t>
             </a:fld>
             <a:endParaRPr lang="en-US"/>
           </a:p>
@@ -8372,7 +8401,7 @@
           <a:p>
             <a:fld id="{5BCAD085-E8A6-8845-BD4E-CB4CCA059FC4}" type="datetimeFigureOut">
               <a:rPr lang="en-US" smtClean="0"/>
-              <a:t>11/28/2025</a:t>
+              <a:t>12/5/2025</a:t>
             </a:fld>
             <a:endParaRPr lang="en-US"/>
           </a:p>
@@ -8467,7 +8496,7 @@
           <a:p>
             <a:fld id="{5BCAD085-E8A6-8845-BD4E-CB4CCA059FC4}" type="datetimeFigureOut">
               <a:rPr lang="en-US" smtClean="0"/>
-              <a:t>11/28/2025</a:t>
+              <a:t>12/5/2025</a:t>
             </a:fld>
             <a:endParaRPr lang="en-US"/>
           </a:p>
@@ -8716,7 +8745,7 @@
           <a:p>
             <a:fld id="{5BCAD085-E8A6-8845-BD4E-CB4CCA059FC4}" type="datetimeFigureOut">
               <a:rPr lang="en-US" smtClean="0"/>
-              <a:t>11/28/2025</a:t>
+              <a:t>12/5/2025</a:t>
             </a:fld>
             <a:endParaRPr lang="en-US"/>
           </a:p>
@@ -8968,7 +8997,7 @@
           <a:p>
             <a:fld id="{5BCAD085-E8A6-8845-BD4E-CB4CCA059FC4}" type="datetimeFigureOut">
               <a:rPr lang="en-US" smtClean="0"/>
-              <a:t>11/28/2025</a:t>
+              <a:t>12/5/2025</a:t>
             </a:fld>
             <a:endParaRPr lang="en-US"/>
           </a:p>
@@ -9091,7 +9120,7 @@
           <a:noFill/>
           <a:extLst>
             <a:ext uri="{909E8E84-426E-40dd-AFC4-6F175D3DCCD1}">
-              <a14:hiddenFill xmlns="" xmlns:a14="http://schemas.microsoft.com/office/drawing/2010/main">
+              <a14:hiddenFill xmlns:a14="http://schemas.microsoft.com/office/drawing/2010/main" xmlns="">
                 <a:solidFill>
                   <a:srgbClr val="FFFFFF"/>
                 </a:solidFill>
@@ -9165,7 +9194,7 @@
               </a:ln>
               <a:extLst>
                 <a:ext uri="{91240B29-F687-4f45-9708-019B960494DF}">
-                  <a14:hiddenLine xmlns="" xmlns:a14="http://schemas.microsoft.com/office/drawing/2010/main" w="9525">
+                  <a14:hiddenLine xmlns:a14="http://schemas.microsoft.com/office/drawing/2010/main" xmlns="" w="9525">
                     <a:solidFill>
                       <a:srgbClr val="000000"/>
                     </a:solidFill>
@@ -9255,7 +9284,7 @@
               </a:ln>
               <a:extLst>
                 <a:ext uri="{91240B29-F687-4f45-9708-019B960494DF}">
-                  <a14:hiddenLine xmlns="" xmlns:a14="http://schemas.microsoft.com/office/drawing/2010/main" w="9525">
+                  <a14:hiddenLine xmlns:a14="http://schemas.microsoft.com/office/drawing/2010/main" xmlns="" w="9525">
                     <a:solidFill>
                       <a:srgbClr val="000000"/>
                     </a:solidFill>
@@ -9345,7 +9374,7 @@
               </a:ln>
               <a:extLst>
                 <a:ext uri="{91240B29-F687-4f45-9708-019B960494DF}">
-                  <a14:hiddenLine xmlns="" xmlns:a14="http://schemas.microsoft.com/office/drawing/2010/main" w="9525">
+                  <a14:hiddenLine xmlns:a14="http://schemas.microsoft.com/office/drawing/2010/main" xmlns="" w="9525">
                     <a:solidFill>
                       <a:srgbClr val="000000"/>
                     </a:solidFill>
@@ -9407,7 +9436,7 @@
               </a:ln>
               <a:extLst>
                 <a:ext uri="{91240B29-F687-4f45-9708-019B960494DF}">
-                  <a14:hiddenLine xmlns="" xmlns:a14="http://schemas.microsoft.com/office/drawing/2010/main" w="9525">
+                  <a14:hiddenLine xmlns:a14="http://schemas.microsoft.com/office/drawing/2010/main" xmlns="" w="9525">
                     <a:solidFill>
                       <a:srgbClr val="000000"/>
                     </a:solidFill>
@@ -9497,7 +9526,7 @@
               </a:ln>
               <a:extLst>
                 <a:ext uri="{91240B29-F687-4f45-9708-019B960494DF}">
-                  <a14:hiddenLine xmlns="" xmlns:a14="http://schemas.microsoft.com/office/drawing/2010/main" w="9525">
+                  <a14:hiddenLine xmlns:a14="http://schemas.microsoft.com/office/drawing/2010/main" xmlns="" w="9525">
                     <a:solidFill>
                       <a:srgbClr val="000000"/>
                     </a:solidFill>
@@ -9559,7 +9588,7 @@
               </a:ln>
               <a:extLst>
                 <a:ext uri="{91240B29-F687-4f45-9708-019B960494DF}">
-                  <a14:hiddenLine xmlns="" xmlns:a14="http://schemas.microsoft.com/office/drawing/2010/main" w="9525">
+                  <a14:hiddenLine xmlns:a14="http://schemas.microsoft.com/office/drawing/2010/main" xmlns="" w="9525">
                     <a:solidFill>
                       <a:srgbClr val="000000"/>
                     </a:solidFill>
@@ -9621,7 +9650,7 @@
               </a:ln>
               <a:extLst>
                 <a:ext uri="{91240B29-F687-4f45-9708-019B960494DF}">
-                  <a14:hiddenLine xmlns="" xmlns:a14="http://schemas.microsoft.com/office/drawing/2010/main" w="9525">
+                  <a14:hiddenLine xmlns:a14="http://schemas.microsoft.com/office/drawing/2010/main" xmlns="" w="9525">
                     <a:solidFill>
                       <a:srgbClr val="000000"/>
                     </a:solidFill>
@@ -9711,7 +9740,7 @@
               </a:ln>
               <a:extLst>
                 <a:ext uri="{91240B29-F687-4f45-9708-019B960494DF}">
-                  <a14:hiddenLine xmlns="" xmlns:a14="http://schemas.microsoft.com/office/drawing/2010/main" w="9525">
+                  <a14:hiddenLine xmlns:a14="http://schemas.microsoft.com/office/drawing/2010/main" xmlns="" w="9525">
                     <a:solidFill>
                       <a:srgbClr val="000000"/>
                     </a:solidFill>
@@ -9801,7 +9830,7 @@
               </a:ln>
               <a:extLst>
                 <a:ext uri="{91240B29-F687-4f45-9708-019B960494DF}">
-                  <a14:hiddenLine xmlns="" xmlns:a14="http://schemas.microsoft.com/office/drawing/2010/main" w="9525">
+                  <a14:hiddenLine xmlns:a14="http://schemas.microsoft.com/office/drawing/2010/main" xmlns="" w="9525">
                     <a:solidFill>
                       <a:srgbClr val="000000"/>
                     </a:solidFill>
@@ -9863,7 +9892,7 @@
               </a:ln>
               <a:extLst>
                 <a:ext uri="{91240B29-F687-4f45-9708-019B960494DF}">
-                  <a14:hiddenLine xmlns="" xmlns:a14="http://schemas.microsoft.com/office/drawing/2010/main" w="9525">
+                  <a14:hiddenLine xmlns:a14="http://schemas.microsoft.com/office/drawing/2010/main" xmlns="" w="9525">
                     <a:solidFill>
                       <a:srgbClr val="000000"/>
                     </a:solidFill>
@@ -9973,7 +10002,7 @@
               </a:ln>
               <a:extLst>
                 <a:ext uri="{91240B29-F687-4f45-9708-019B960494DF}">
-                  <a14:hiddenLine xmlns="" xmlns:a14="http://schemas.microsoft.com/office/drawing/2010/main" w="9525">
+                  <a14:hiddenLine xmlns:a14="http://schemas.microsoft.com/office/drawing/2010/main" xmlns="" w="9525">
                     <a:solidFill>
                       <a:srgbClr val="000000"/>
                     </a:solidFill>
@@ -10057,7 +10086,7 @@
               </a:ln>
               <a:extLst>
                 <a:ext uri="{91240B29-F687-4f45-9708-019B960494DF}">
-                  <a14:hiddenLine xmlns="" xmlns:a14="http://schemas.microsoft.com/office/drawing/2010/main" w="9525">
+                  <a14:hiddenLine xmlns:a14="http://schemas.microsoft.com/office/drawing/2010/main" xmlns="" w="9525">
                     <a:solidFill>
                       <a:srgbClr val="000000"/>
                     </a:solidFill>
@@ -10119,7 +10148,7 @@
               </a:ln>
               <a:extLst>
                 <a:ext uri="{91240B29-F687-4f45-9708-019B960494DF}">
-                  <a14:hiddenLine xmlns="" xmlns:a14="http://schemas.microsoft.com/office/drawing/2010/main" w="9525">
+                  <a14:hiddenLine xmlns:a14="http://schemas.microsoft.com/office/drawing/2010/main" xmlns="" w="9525">
                     <a:solidFill>
                       <a:srgbClr val="000000"/>
                     </a:solidFill>
@@ -10181,7 +10210,7 @@
               </a:ln>
               <a:extLst>
                 <a:ext uri="{91240B29-F687-4f45-9708-019B960494DF}">
-                  <a14:hiddenLine xmlns="" xmlns:a14="http://schemas.microsoft.com/office/drawing/2010/main" w="9525">
+                  <a14:hiddenLine xmlns:a14="http://schemas.microsoft.com/office/drawing/2010/main" xmlns="" w="9525">
                     <a:solidFill>
                       <a:srgbClr val="000000"/>
                     </a:solidFill>
@@ -10271,7 +10300,7 @@
               </a:ln>
               <a:extLst>
                 <a:ext uri="{91240B29-F687-4f45-9708-019B960494DF}">
-                  <a14:hiddenLine xmlns="" xmlns:a14="http://schemas.microsoft.com/office/drawing/2010/main" w="9525">
+                  <a14:hiddenLine xmlns:a14="http://schemas.microsoft.com/office/drawing/2010/main" xmlns="" w="9525">
                     <a:solidFill>
                       <a:srgbClr val="000000"/>
                     </a:solidFill>
@@ -10305,7 +10334,7 @@
               </a:ln>
               <a:extLst>
                 <a:ext uri="{91240B29-F687-4f45-9708-019B960494DF}">
-                  <a14:hiddenLine xmlns="" xmlns:a14="http://schemas.microsoft.com/office/drawing/2010/main" w="9525">
+                  <a14:hiddenLine xmlns:a14="http://schemas.microsoft.com/office/drawing/2010/main" xmlns="" w="9525">
                     <a:solidFill>
                       <a:srgbClr val="000000"/>
                     </a:solidFill>
@@ -10370,7 +10399,7 @@
               </a:ln>
               <a:extLst>
                 <a:ext uri="{91240B29-F687-4f45-9708-019B960494DF}">
-                  <a14:hiddenLine xmlns="" xmlns:a14="http://schemas.microsoft.com/office/drawing/2010/main" w="9525">
+                  <a14:hiddenLine xmlns:a14="http://schemas.microsoft.com/office/drawing/2010/main" xmlns="" w="9525">
                     <a:solidFill>
                       <a:srgbClr val="000000"/>
                     </a:solidFill>
@@ -10460,7 +10489,7 @@
               </a:ln>
               <a:extLst>
                 <a:ext uri="{91240B29-F687-4f45-9708-019B960494DF}">
-                  <a14:hiddenLine xmlns="" xmlns:a14="http://schemas.microsoft.com/office/drawing/2010/main" w="9525">
+                  <a14:hiddenLine xmlns:a14="http://schemas.microsoft.com/office/drawing/2010/main" xmlns="" w="9525">
                     <a:solidFill>
                       <a:srgbClr val="000000"/>
                     </a:solidFill>
@@ -10522,7 +10551,7 @@
               </a:ln>
               <a:extLst>
                 <a:ext uri="{91240B29-F687-4f45-9708-019B960494DF}">
-                  <a14:hiddenLine xmlns="" xmlns:a14="http://schemas.microsoft.com/office/drawing/2010/main" w="9525">
+                  <a14:hiddenLine xmlns:a14="http://schemas.microsoft.com/office/drawing/2010/main" xmlns="" w="9525">
                     <a:solidFill>
                       <a:srgbClr val="000000"/>
                     </a:solidFill>
@@ -10612,7 +10641,7 @@
               </a:ln>
               <a:extLst>
                 <a:ext uri="{91240B29-F687-4f45-9708-019B960494DF}">
-                  <a14:hiddenLine xmlns="" xmlns:a14="http://schemas.microsoft.com/office/drawing/2010/main" w="9525">
+                  <a14:hiddenLine xmlns:a14="http://schemas.microsoft.com/office/drawing/2010/main" xmlns="" w="9525">
                     <a:solidFill>
                       <a:srgbClr val="000000"/>
                     </a:solidFill>
@@ -10677,7 +10706,7 @@
               </a:ln>
               <a:extLst>
                 <a:ext uri="{91240B29-F687-4f45-9708-019B960494DF}">
-                  <a14:hiddenLine xmlns="" xmlns:a14="http://schemas.microsoft.com/office/drawing/2010/main" w="9525">
+                  <a14:hiddenLine xmlns:a14="http://schemas.microsoft.com/office/drawing/2010/main" xmlns="" w="9525">
                     <a:solidFill>
                       <a:srgbClr val="000000"/>
                     </a:solidFill>
@@ -10739,7 +10768,7 @@
               </a:ln>
               <a:extLst>
                 <a:ext uri="{91240B29-F687-4f45-9708-019B960494DF}">
-                  <a14:hiddenLine xmlns="" xmlns:a14="http://schemas.microsoft.com/office/drawing/2010/main" w="9525">
+                  <a14:hiddenLine xmlns:a14="http://schemas.microsoft.com/office/drawing/2010/main" xmlns="" w="9525">
                     <a:solidFill>
                       <a:srgbClr val="000000"/>
                     </a:solidFill>
@@ -10829,7 +10858,7 @@
               </a:ln>
               <a:extLst>
                 <a:ext uri="{91240B29-F687-4f45-9708-019B960494DF}">
-                  <a14:hiddenLine xmlns="" xmlns:a14="http://schemas.microsoft.com/office/drawing/2010/main" w="9525">
+                  <a14:hiddenLine xmlns:a14="http://schemas.microsoft.com/office/drawing/2010/main" xmlns="" w="9525">
                     <a:solidFill>
                       <a:srgbClr val="000000"/>
                     </a:solidFill>
@@ -10919,7 +10948,7 @@
               </a:ln>
               <a:extLst>
                 <a:ext uri="{91240B29-F687-4f45-9708-019B960494DF}">
-                  <a14:hiddenLine xmlns="" xmlns:a14="http://schemas.microsoft.com/office/drawing/2010/main" w="9525">
+                  <a14:hiddenLine xmlns:a14="http://schemas.microsoft.com/office/drawing/2010/main" xmlns="" w="9525">
                     <a:solidFill>
                       <a:srgbClr val="000000"/>
                     </a:solidFill>
@@ -10984,7 +11013,7 @@
               </a:ln>
               <a:extLst>
                 <a:ext uri="{91240B29-F687-4f45-9708-019B960494DF}">
-                  <a14:hiddenLine xmlns="" xmlns:a14="http://schemas.microsoft.com/office/drawing/2010/main" w="9525">
+                  <a14:hiddenLine xmlns:a14="http://schemas.microsoft.com/office/drawing/2010/main" xmlns="" w="9525">
                     <a:solidFill>
                       <a:srgbClr val="000000"/>
                     </a:solidFill>
@@ -11104,7 +11133,7 @@
               </a:ln>
               <a:extLst>
                 <a:ext uri="{91240B29-F687-4f45-9708-019B960494DF}">
-                  <a14:hiddenLine xmlns="" xmlns:a14="http://schemas.microsoft.com/office/drawing/2010/main" w="9525">
+                  <a14:hiddenLine xmlns:a14="http://schemas.microsoft.com/office/drawing/2010/main" xmlns="" w="9525">
                     <a:solidFill>
                       <a:srgbClr val="000000"/>
                     </a:solidFill>
@@ -11202,7 +11231,7 @@
               </a:ln>
               <a:extLst>
                 <a:ext uri="{91240B29-F687-4f45-9708-019B960494DF}">
-                  <a14:hiddenLine xmlns="" xmlns:a14="http://schemas.microsoft.com/office/drawing/2010/main" w="9525">
+                  <a14:hiddenLine xmlns:a14="http://schemas.microsoft.com/office/drawing/2010/main" xmlns="" w="9525">
                     <a:solidFill>
                       <a:srgbClr val="000000"/>
                     </a:solidFill>
@@ -11317,7 +11346,7 @@
               </a:ln>
               <a:extLst>
                 <a:ext uri="{91240B29-F687-4f45-9708-019B960494DF}">
-                  <a14:hiddenLine xmlns="" xmlns:a14="http://schemas.microsoft.com/office/drawing/2010/main" w="9525">
+                  <a14:hiddenLine xmlns:a14="http://schemas.microsoft.com/office/drawing/2010/main" xmlns="" w="9525">
                     <a:solidFill>
                       <a:srgbClr val="000000"/>
                     </a:solidFill>
@@ -11407,7 +11436,7 @@
               </a:ln>
               <a:extLst>
                 <a:ext uri="{91240B29-F687-4f45-9708-019B960494DF}">
-                  <a14:hiddenLine xmlns="" xmlns:a14="http://schemas.microsoft.com/office/drawing/2010/main" w="9525">
+                  <a14:hiddenLine xmlns:a14="http://schemas.microsoft.com/office/drawing/2010/main" xmlns="" w="9525">
                     <a:solidFill>
                       <a:srgbClr val="000000"/>
                     </a:solidFill>
@@ -11472,7 +11501,7 @@
               </a:ln>
               <a:extLst>
                 <a:ext uri="{91240B29-F687-4f45-9708-019B960494DF}">
-                  <a14:hiddenLine xmlns="" xmlns:a14="http://schemas.microsoft.com/office/drawing/2010/main" w="9525">
+                  <a14:hiddenLine xmlns:a14="http://schemas.microsoft.com/office/drawing/2010/main" xmlns="" w="9525">
                     <a:solidFill>
                       <a:srgbClr val="000000"/>
                     </a:solidFill>
@@ -11562,7 +11591,7 @@
               </a:ln>
               <a:extLst>
                 <a:ext uri="{91240B29-F687-4f45-9708-019B960494DF}">
-                  <a14:hiddenLine xmlns="" xmlns:a14="http://schemas.microsoft.com/office/drawing/2010/main" w="9525">
+                  <a14:hiddenLine xmlns:a14="http://schemas.microsoft.com/office/drawing/2010/main" xmlns="" w="9525">
                     <a:solidFill>
                       <a:srgbClr val="000000"/>
                     </a:solidFill>
@@ -11630,7 +11659,7 @@
               </a:ln>
               <a:extLst>
                 <a:ext uri="{91240B29-F687-4f45-9708-019B960494DF}">
-                  <a14:hiddenLine xmlns="" xmlns:a14="http://schemas.microsoft.com/office/drawing/2010/main" w="9525">
+                  <a14:hiddenLine xmlns:a14="http://schemas.microsoft.com/office/drawing/2010/main" xmlns="" w="9525">
                     <a:solidFill>
                       <a:srgbClr val="000000"/>
                     </a:solidFill>
@@ -11720,7 +11749,7 @@
               </a:ln>
               <a:extLst>
                 <a:ext uri="{91240B29-F687-4f45-9708-019B960494DF}">
-                  <a14:hiddenLine xmlns="" xmlns:a14="http://schemas.microsoft.com/office/drawing/2010/main" w="9525">
+                  <a14:hiddenLine xmlns:a14="http://schemas.microsoft.com/office/drawing/2010/main" xmlns="" w="9525">
                     <a:solidFill>
                       <a:srgbClr val="000000"/>
                     </a:solidFill>
@@ -11788,7 +11817,7 @@
               </a:ln>
               <a:extLst>
                 <a:ext uri="{91240B29-F687-4f45-9708-019B960494DF}">
-                  <a14:hiddenLine xmlns="" xmlns:a14="http://schemas.microsoft.com/office/drawing/2010/main" w="9525">
+                  <a14:hiddenLine xmlns:a14="http://schemas.microsoft.com/office/drawing/2010/main" xmlns="" w="9525">
                     <a:solidFill>
                       <a:srgbClr val="000000"/>
                     </a:solidFill>
@@ -11878,7 +11907,7 @@
               </a:ln>
               <a:extLst>
                 <a:ext uri="{91240B29-F687-4f45-9708-019B960494DF}">
-                  <a14:hiddenLine xmlns="" xmlns:a14="http://schemas.microsoft.com/office/drawing/2010/main" w="9525">
+                  <a14:hiddenLine xmlns:a14="http://schemas.microsoft.com/office/drawing/2010/main" xmlns="" w="9525">
                     <a:solidFill>
                       <a:srgbClr val="000000"/>
                     </a:solidFill>
@@ -11912,7 +11941,7 @@
               </a:ln>
               <a:extLst>
                 <a:ext uri="{91240B29-F687-4f45-9708-019B960494DF}">
-                  <a14:hiddenLine xmlns="" xmlns:a14="http://schemas.microsoft.com/office/drawing/2010/main" w="9525">
+                  <a14:hiddenLine xmlns:a14="http://schemas.microsoft.com/office/drawing/2010/main" xmlns="" w="9525">
                     <a:solidFill>
                       <a:srgbClr val="000000"/>
                     </a:solidFill>
@@ -12052,7 +12081,7 @@
           <a:p>
             <a:fld id="{5BCAD085-E8A6-8845-BD4E-CB4CCA059FC4}" type="datetimeFigureOut">
               <a:rPr lang="en-US" smtClean="0"/>
-              <a:t>11/28/2025</a:t>
+              <a:t>12/5/2025</a:t>
             </a:fld>
             <a:endParaRPr lang="en-US"/>
           </a:p>
@@ -12543,7 +12572,7 @@
         </p:nvSpPr>
         <p:spPr>
           <a:xfrm>
-            <a:off x="5279571" y="3320143"/>
+            <a:off x="5105400" y="3320143"/>
             <a:ext cx="5529943" cy="1023257"/>
           </a:xfrm>
         </p:spPr>
